--- a/PROJECTS.pptx
+++ b/PROJECTS.pptx
@@ -10,10 +10,10 @@
   <p:sldIdLst>
     <p:sldId id="296" r:id="rId2"/>
     <p:sldId id="257" r:id="rId3"/>
-    <p:sldId id="259" r:id="rId4"/>
+    <p:sldId id="297" r:id="rId4"/>
     <p:sldId id="294" r:id="rId5"/>
     <p:sldId id="272" r:id="rId6"/>
-    <p:sldId id="297" r:id="rId7"/>
+    <p:sldId id="259" r:id="rId7"/>
   </p:sldIdLst>
   <p:sldSz cx="12192000" cy="6858000"/>
   <p:notesSz cx="6858000" cy="9144000"/>
@@ -4282,10 +4282,10 @@
       </p:grpSpPr>
       <p:pic>
         <p:nvPicPr>
-          <p:cNvPr id="4" name="Picture 3" descr="A screenshot of a computer&#10;&#10;Description automatically generated">
+          <p:cNvPr id="4" name="Picture 3">
             <a:extLst>
               <a:ext uri="{FF2B5EF4-FFF2-40B4-BE49-F238E27FC236}">
-                <a16:creationId xmlns:a16="http://schemas.microsoft.com/office/drawing/2014/main" id="{ADC84E26-DF81-FC04-5745-71DD46BD2326}"/>
+                <a16:creationId xmlns:a16="http://schemas.microsoft.com/office/drawing/2014/main" id="{DD1B9141-9595-D456-3197-D36C8422168C}"/>
               </a:ext>
             </a:extLst>
           </p:cNvPr>
@@ -4295,157 +4295,25 @@
           <p:nvPr/>
         </p:nvPicPr>
         <p:blipFill>
-          <a:blip r:embed="rId2">
-            <a:extLst>
-              <a:ext uri="{28A0092B-C50C-407E-A947-70E740481C1C}">
-                <a14:useLocalDpi xmlns:a14="http://schemas.microsoft.com/office/drawing/2010/main" val="0"/>
-              </a:ext>
-            </a:extLst>
-          </a:blip>
+          <a:blip r:embed="rId2"/>
           <a:stretch>
             <a:fillRect/>
           </a:stretch>
         </p:blipFill>
         <p:spPr>
           <a:xfrm>
-            <a:off x="1762539" y="1357745"/>
-            <a:ext cx="6440558" cy="4042927"/>
+            <a:off x="1630016" y="172278"/>
+            <a:ext cx="10243932" cy="5685183"/>
           </a:xfrm>
           <a:prstGeom prst="rect">
             <a:avLst/>
           </a:prstGeom>
-          <a:solidFill>
-            <a:srgbClr val="FFFFFF">
-              <a:shade val="85000"/>
-            </a:srgbClr>
-          </a:solidFill>
-          <a:ln w="12700" cap="rnd">
-            <a:solidFill>
-              <a:schemeClr val="accent6"/>
-            </a:solidFill>
-          </a:ln>
-          <a:effectLst>
-            <a:outerShdw blurRad="50000" algn="tl" rotWithShape="0">
-              <a:srgbClr val="000000">
-                <a:alpha val="41000"/>
-              </a:srgbClr>
-            </a:outerShdw>
-          </a:effectLst>
-          <a:scene3d>
-            <a:camera prst="orthographicFront"/>
-            <a:lightRig rig="twoPt" dir="t">
-              <a:rot lat="0" lon="0" rev="7800000"/>
-            </a:lightRig>
-          </a:scene3d>
-          <a:sp3d contourW="6350">
-            <a:bevelT w="50800" h="16510"/>
-            <a:contourClr>
-              <a:srgbClr val="C0C0C0"/>
-            </a:contourClr>
-          </a:sp3d>
         </p:spPr>
       </p:pic>
-      <p:sp>
-        <p:nvSpPr>
-          <p:cNvPr id="5" name="TextBox 4">
-            <a:extLst>
-              <a:ext uri="{FF2B5EF4-FFF2-40B4-BE49-F238E27FC236}">
-                <a16:creationId xmlns:a16="http://schemas.microsoft.com/office/drawing/2014/main" id="{E7F93F35-E78C-8186-AE49-6B40AD2E7743}"/>
-              </a:ext>
-            </a:extLst>
-          </p:cNvPr>
-          <p:cNvSpPr txBox="1"/>
-          <p:nvPr/>
-        </p:nvSpPr>
-        <p:spPr>
-          <a:xfrm>
-            <a:off x="1762539" y="138545"/>
-            <a:ext cx="6591751" cy="1107996"/>
-          </a:xfrm>
-          <a:prstGeom prst="rect">
-            <a:avLst/>
-          </a:prstGeom>
-          <a:noFill/>
-        </p:spPr>
-        <p:txBody>
-          <a:bodyPr wrap="square" rtlCol="0">
-            <a:spAutoFit/>
-          </a:bodyPr>
-          <a:lstStyle/>
-          <a:p>
-            <a:r>
-              <a:rPr lang="en-GB" dirty="0"/>
-              <a:t>         </a:t>
-            </a:r>
-          </a:p>
-          <a:p>
-            <a:r>
-              <a:rPr lang="en-GB" sz="2400" b="1" dirty="0"/>
-              <a:t>ANALYSIS OF STOCK OF ELECTRIC                VEHICLES  BY  	COUNTRY </a:t>
-            </a:r>
-          </a:p>
-        </p:txBody>
-      </p:sp>
-      <p:sp>
-        <p:nvSpPr>
-          <p:cNvPr id="6" name="TextBox 5">
-            <a:extLst>
-              <a:ext uri="{FF2B5EF4-FFF2-40B4-BE49-F238E27FC236}">
-                <a16:creationId xmlns:a16="http://schemas.microsoft.com/office/drawing/2014/main" id="{BDDB4C43-AD80-639F-9F3E-B2825F032112}"/>
-              </a:ext>
-            </a:extLst>
-          </p:cNvPr>
-          <p:cNvSpPr txBox="1"/>
-          <p:nvPr/>
-        </p:nvSpPr>
-        <p:spPr>
-          <a:xfrm>
-            <a:off x="8354290" y="1109871"/>
-            <a:ext cx="3643745" cy="4638258"/>
-          </a:xfrm>
-          <a:prstGeom prst="cloud">
-            <a:avLst/>
-          </a:prstGeom>
-          <a:solidFill>
-            <a:schemeClr val="accent6">
-              <a:alpha val="50000"/>
-            </a:schemeClr>
-          </a:solidFill>
-          <a:ln>
-            <a:noFill/>
-          </a:ln>
-        </p:spPr>
-        <p:style>
-          <a:lnRef idx="0">
-            <a:scrgbClr r="0" g="0" b="0"/>
-          </a:lnRef>
-          <a:fillRef idx="0">
-            <a:scrgbClr r="0" g="0" b="0"/>
-          </a:fillRef>
-          <a:effectRef idx="0">
-            <a:scrgbClr r="0" g="0" b="0"/>
-          </a:effectRef>
-          <a:fontRef idx="minor">
-            <a:schemeClr val="lt1"/>
-          </a:fontRef>
-        </p:style>
-        <p:txBody>
-          <a:bodyPr wrap="square" rtlCol="0">
-            <a:spAutoFit/>
-          </a:bodyPr>
-          <a:lstStyle/>
-          <a:p>
-            <a:r>
-              <a:rPr lang="en-GB" sz="2400" b="1" dirty="0"/>
-              <a:t>The country with the highest number of electric vehicle cars was ‘China’ with 22 million more cars than other countries </a:t>
-            </a:r>
-          </a:p>
-        </p:txBody>
-      </p:sp>
     </p:spTree>
     <p:extLst>
       <p:ext uri="{BB962C8B-B14F-4D97-AF65-F5344CB8AC3E}">
-        <p14:creationId xmlns:p14="http://schemas.microsoft.com/office/powerpoint/2010/main" val="2529687038"/>
+        <p14:creationId xmlns:p14="http://schemas.microsoft.com/office/powerpoint/2010/main" val="1959128821"/>
       </p:ext>
     </p:extLst>
   </p:cSld>
@@ -4490,8 +4358,8 @@
         </p:nvSpPr>
         <p:spPr>
           <a:xfrm>
-            <a:off x="516835" y="2085478"/>
-            <a:ext cx="3843130" cy="986906"/>
+            <a:off x="516835" y="1934817"/>
+            <a:ext cx="3578087" cy="1137567"/>
           </a:xfrm>
         </p:spPr>
         <p:txBody>
@@ -4507,7 +4375,7 @@
             </a:pPr>
             <a:r>
               <a:rPr lang="en-HK" sz="1800" dirty="0"/>
-              <a:t>What is the relationship between the size of the stores, number of employees and revenue? </a:t>
+              <a:t>Assessing the relationship between the size of the stores, number of employees and revenue? </a:t>
             </a:r>
             <a:endParaRPr lang="en-GB" sz="1800" dirty="0"/>
           </a:p>
@@ -4592,7 +4460,7 @@
         </p:blipFill>
         <p:spPr>
           <a:xfrm>
-            <a:off x="4359965" y="596348"/>
+            <a:off x="4232945" y="583096"/>
             <a:ext cx="7315200" cy="5181600"/>
           </a:xfrm>
           <a:prstGeom prst="rect">
@@ -4786,10 +4654,10 @@
       </p:grpSpPr>
       <p:pic>
         <p:nvPicPr>
-          <p:cNvPr id="4" name="Picture 3">
+          <p:cNvPr id="4" name="Picture 3" descr="A screenshot of a computer&#10;&#10;Description automatically generated">
             <a:extLst>
               <a:ext uri="{FF2B5EF4-FFF2-40B4-BE49-F238E27FC236}">
-                <a16:creationId xmlns:a16="http://schemas.microsoft.com/office/drawing/2014/main" id="{DD1B9141-9595-D456-3197-D36C8422168C}"/>
+                <a16:creationId xmlns:a16="http://schemas.microsoft.com/office/drawing/2014/main" id="{ADC84E26-DF81-FC04-5745-71DD46BD2326}"/>
               </a:ext>
             </a:extLst>
           </p:cNvPr>
@@ -4799,25 +4667,157 @@
           <p:nvPr/>
         </p:nvPicPr>
         <p:blipFill>
-          <a:blip r:embed="rId2"/>
+          <a:blip r:embed="rId2">
+            <a:extLst>
+              <a:ext uri="{28A0092B-C50C-407E-A947-70E740481C1C}">
+                <a14:useLocalDpi xmlns:a14="http://schemas.microsoft.com/office/drawing/2010/main" val="0"/>
+              </a:ext>
+            </a:extLst>
+          </a:blip>
           <a:stretch>
             <a:fillRect/>
           </a:stretch>
         </p:blipFill>
         <p:spPr>
           <a:xfrm>
-            <a:off x="1630016" y="0"/>
-            <a:ext cx="10561983" cy="6135757"/>
+            <a:off x="1762539" y="1357745"/>
+            <a:ext cx="6440558" cy="4042927"/>
           </a:xfrm>
           <a:prstGeom prst="rect">
             <a:avLst/>
           </a:prstGeom>
+          <a:solidFill>
+            <a:srgbClr val="FFFFFF">
+              <a:shade val="85000"/>
+            </a:srgbClr>
+          </a:solidFill>
+          <a:ln w="12700" cap="rnd">
+            <a:solidFill>
+              <a:schemeClr val="accent6"/>
+            </a:solidFill>
+          </a:ln>
+          <a:effectLst>
+            <a:outerShdw blurRad="50000" algn="tl" rotWithShape="0">
+              <a:srgbClr val="000000">
+                <a:alpha val="41000"/>
+              </a:srgbClr>
+            </a:outerShdw>
+          </a:effectLst>
+          <a:scene3d>
+            <a:camera prst="orthographicFront"/>
+            <a:lightRig rig="twoPt" dir="t">
+              <a:rot lat="0" lon="0" rev="7800000"/>
+            </a:lightRig>
+          </a:scene3d>
+          <a:sp3d contourW="6350">
+            <a:bevelT w="50800" h="16510"/>
+            <a:contourClr>
+              <a:srgbClr val="C0C0C0"/>
+            </a:contourClr>
+          </a:sp3d>
         </p:spPr>
       </p:pic>
+      <p:sp>
+        <p:nvSpPr>
+          <p:cNvPr id="5" name="TextBox 4">
+            <a:extLst>
+              <a:ext uri="{FF2B5EF4-FFF2-40B4-BE49-F238E27FC236}">
+                <a16:creationId xmlns:a16="http://schemas.microsoft.com/office/drawing/2014/main" id="{E7F93F35-E78C-8186-AE49-6B40AD2E7743}"/>
+              </a:ext>
+            </a:extLst>
+          </p:cNvPr>
+          <p:cNvSpPr txBox="1"/>
+          <p:nvPr/>
+        </p:nvSpPr>
+        <p:spPr>
+          <a:xfrm>
+            <a:off x="1762539" y="138545"/>
+            <a:ext cx="6591751" cy="1107996"/>
+          </a:xfrm>
+          <a:prstGeom prst="rect">
+            <a:avLst/>
+          </a:prstGeom>
+          <a:noFill/>
+        </p:spPr>
+        <p:txBody>
+          <a:bodyPr wrap="square" rtlCol="0">
+            <a:spAutoFit/>
+          </a:bodyPr>
+          <a:lstStyle/>
+          <a:p>
+            <a:r>
+              <a:rPr lang="en-GB" dirty="0"/>
+              <a:t>         </a:t>
+            </a:r>
+          </a:p>
+          <a:p>
+            <a:r>
+              <a:rPr lang="en-GB" sz="2400" b="1" dirty="0"/>
+              <a:t>ANALYSIS OF STOCK OF ELECTRIC                VEHICLES  BY  	COUNTRY </a:t>
+            </a:r>
+          </a:p>
+        </p:txBody>
+      </p:sp>
+      <p:sp>
+        <p:nvSpPr>
+          <p:cNvPr id="6" name="TextBox 5">
+            <a:extLst>
+              <a:ext uri="{FF2B5EF4-FFF2-40B4-BE49-F238E27FC236}">
+                <a16:creationId xmlns:a16="http://schemas.microsoft.com/office/drawing/2014/main" id="{BDDB4C43-AD80-639F-9F3E-B2825F032112}"/>
+              </a:ext>
+            </a:extLst>
+          </p:cNvPr>
+          <p:cNvSpPr txBox="1"/>
+          <p:nvPr/>
+        </p:nvSpPr>
+        <p:spPr>
+          <a:xfrm>
+            <a:off x="8354290" y="1109871"/>
+            <a:ext cx="3643745" cy="4638258"/>
+          </a:xfrm>
+          <a:prstGeom prst="cloud">
+            <a:avLst/>
+          </a:prstGeom>
+          <a:solidFill>
+            <a:schemeClr val="accent6">
+              <a:alpha val="50000"/>
+            </a:schemeClr>
+          </a:solidFill>
+          <a:ln>
+            <a:noFill/>
+          </a:ln>
+        </p:spPr>
+        <p:style>
+          <a:lnRef idx="0">
+            <a:scrgbClr r="0" g="0" b="0"/>
+          </a:lnRef>
+          <a:fillRef idx="0">
+            <a:scrgbClr r="0" g="0" b="0"/>
+          </a:fillRef>
+          <a:effectRef idx="0">
+            <a:scrgbClr r="0" g="0" b="0"/>
+          </a:effectRef>
+          <a:fontRef idx="minor">
+            <a:schemeClr val="lt1"/>
+          </a:fontRef>
+        </p:style>
+        <p:txBody>
+          <a:bodyPr wrap="square" rtlCol="0">
+            <a:spAutoFit/>
+          </a:bodyPr>
+          <a:lstStyle/>
+          <a:p>
+            <a:r>
+              <a:rPr lang="en-GB" sz="2400" b="1" dirty="0"/>
+              <a:t>The country with the highest number of electric vehicle cars was ‘China’ with 22 million more cars than other countries </a:t>
+            </a:r>
+          </a:p>
+        </p:txBody>
+      </p:sp>
     </p:spTree>
     <p:extLst>
       <p:ext uri="{BB962C8B-B14F-4D97-AF65-F5344CB8AC3E}">
-        <p14:creationId xmlns:p14="http://schemas.microsoft.com/office/powerpoint/2010/main" val="1959128821"/>
+        <p14:creationId xmlns:p14="http://schemas.microsoft.com/office/powerpoint/2010/main" val="2529687038"/>
       </p:ext>
     </p:extLst>
   </p:cSld>
